--- a/es6/ES6.pptx
+++ b/es6/ES6.pptx
@@ -221,7 +221,7 @@
           <a:p>
             <a:fld id="{D2A48B96-639E-45A3-A0BA-2464DFDB1FAA}" type="datetimeFigureOut">
               <a:rPr lang="zh-CN" altLang="en-US" smtClean="0"/>
-              <a:t>18/7/18</a:t>
+              <a:t>18/7/19</a:t>
             </a:fld>
             <a:endParaRPr lang="zh-CN" altLang="en-US"/>
           </a:p>
@@ -2552,7 +2552,7 @@
           <a:p>
             <a:fld id="{82F288E0-7875-42C4-84C8-98DBBD3BF4D2}" type="datetimeFigureOut">
               <a:rPr lang="zh-CN" altLang="en-US" smtClean="0"/>
-              <a:t>18/7/18</a:t>
+              <a:t>18/7/19</a:t>
             </a:fld>
             <a:endParaRPr lang="zh-CN" altLang="en-US"/>
           </a:p>
@@ -2699,7 +2699,7 @@
           <a:p>
             <a:fld id="{82F288E0-7875-42C4-84C8-98DBBD3BF4D2}" type="datetimeFigureOut">
               <a:rPr lang="zh-CN" altLang="en-US" smtClean="0"/>
-              <a:t>18/7/18</a:t>
+              <a:t>18/7/19</a:t>
             </a:fld>
             <a:endParaRPr lang="zh-CN" altLang="en-US"/>
           </a:p>
@@ -2864,7 +2864,7 @@
           <a:p>
             <a:fld id="{82F288E0-7875-42C4-84C8-98DBBD3BF4D2}" type="datetimeFigureOut">
               <a:rPr lang="zh-CN" altLang="en-US" smtClean="0"/>
-              <a:t>18/7/18</a:t>
+              <a:t>18/7/19</a:t>
             </a:fld>
             <a:endParaRPr lang="zh-CN" altLang="en-US"/>
           </a:p>
@@ -3105,7 +3105,7 @@
           <a:p>
             <a:fld id="{82F288E0-7875-42C4-84C8-98DBBD3BF4D2}" type="datetimeFigureOut">
               <a:rPr lang="zh-CN" altLang="en-US" smtClean="0"/>
-              <a:t>18/7/18</a:t>
+              <a:t>18/7/19</a:t>
             </a:fld>
             <a:endParaRPr lang="zh-CN" altLang="en-US"/>
           </a:p>
@@ -3332,7 +3332,7 @@
           <a:p>
             <a:fld id="{82F288E0-7875-42C4-84C8-98DBBD3BF4D2}" type="datetimeFigureOut">
               <a:rPr lang="zh-CN" altLang="en-US" smtClean="0"/>
-              <a:t>18/7/18</a:t>
+              <a:t>18/7/19</a:t>
             </a:fld>
             <a:endParaRPr lang="zh-CN" altLang="en-US"/>
           </a:p>
@@ -3694,7 +3694,7 @@
           <a:p>
             <a:fld id="{82F288E0-7875-42C4-84C8-98DBBD3BF4D2}" type="datetimeFigureOut">
               <a:rPr lang="zh-CN" altLang="en-US" smtClean="0"/>
-              <a:t>18/7/18</a:t>
+              <a:t>18/7/19</a:t>
             </a:fld>
             <a:endParaRPr lang="zh-CN" altLang="en-US"/>
           </a:p>
@@ -3807,7 +3807,7 @@
           <a:p>
             <a:fld id="{82F288E0-7875-42C4-84C8-98DBBD3BF4D2}" type="datetimeFigureOut">
               <a:rPr lang="zh-CN" altLang="en-US" smtClean="0"/>
-              <a:t>18/7/18</a:t>
+              <a:t>18/7/19</a:t>
             </a:fld>
             <a:endParaRPr lang="zh-CN" altLang="en-US"/>
           </a:p>
@@ -3897,7 +3897,7 @@
           <a:p>
             <a:fld id="{82F288E0-7875-42C4-84C8-98DBBD3BF4D2}" type="datetimeFigureOut">
               <a:rPr lang="zh-CN" altLang="en-US" smtClean="0"/>
-              <a:t>18/7/18</a:t>
+              <a:t>18/7/19</a:t>
             </a:fld>
             <a:endParaRPr lang="zh-CN" altLang="en-US"/>
           </a:p>
@@ -4145,7 +4145,7 @@
           <a:p>
             <a:fld id="{82F288E0-7875-42C4-84C8-98DBBD3BF4D2}" type="datetimeFigureOut">
               <a:rPr lang="zh-CN" altLang="en-US" smtClean="0"/>
-              <a:t>18/7/18</a:t>
+              <a:t>18/7/19</a:t>
             </a:fld>
             <a:endParaRPr lang="zh-CN" altLang="en-US"/>
           </a:p>
@@ -4320,7 +4320,7 @@
           <a:p>
             <a:fld id="{82F288E0-7875-42C4-84C8-98DBBD3BF4D2}" type="datetimeFigureOut">
               <a:rPr lang="zh-CN" altLang="en-US" smtClean="0"/>
-              <a:t>18/7/18</a:t>
+              <a:t>18/7/19</a:t>
             </a:fld>
             <a:endParaRPr lang="zh-CN" altLang="en-US"/>
           </a:p>
@@ -4528,7 +4528,7 @@
           <a:p>
             <a:fld id="{82F288E0-7875-42C4-84C8-98DBBD3BF4D2}" type="datetimeFigureOut">
               <a:rPr lang="zh-CN" altLang="en-US" smtClean="0"/>
-              <a:t>18/7/18</a:t>
+              <a:t>18/7/19</a:t>
             </a:fld>
             <a:endParaRPr lang="zh-CN" altLang="en-US"/>
           </a:p>
@@ -5432,11 +5432,7 @@
             </a:pPr>
             <a:r>
               <a:rPr lang="zh-CN" altLang="en-US" sz="3200" b="1" dirty="0" smtClean="0"/>
-              <a:t>箭头</a:t>
-            </a:r>
-            <a:r>
-              <a:rPr lang="zh-CN" altLang="en-US" sz="3200" b="1" dirty="0"/>
-              <a:t>函数  </a:t>
+              <a:t>箭头函数  </a:t>
             </a:r>
             <a:r>
               <a:rPr lang="en-US" altLang="zh-CN" sz="3200" b="1" dirty="0" smtClean="0"/>
@@ -5516,64 +5512,44 @@
           </a:p>
           <a:p>
             <a:r>
-              <a:rPr lang="zh-CN" altLang="en-US" sz="2000" b="1" dirty="0"/>
+              <a:rPr lang="zh-CN" altLang="en-US" sz="2000" b="1" dirty="0" smtClean="0"/>
               <a:t/>
             </a:r>
             <a:br>
-              <a:rPr lang="zh-CN" altLang="en-US" sz="2000" b="1" dirty="0"/>
+              <a:rPr lang="zh-CN" altLang="en-US" sz="2000" b="1" dirty="0" smtClean="0"/>
             </a:br>
             <a:r>
               <a:rPr lang="en-US" altLang="zh-CN" sz="2000" b="1" dirty="0" smtClean="0"/>
-              <a:t>	</a:t>
-            </a:r>
-            <a:r>
-              <a:rPr lang="en-US" altLang="zh-CN" sz="2000" b="1" dirty="0"/>
-              <a:t>(</a:t>
+              <a:t>	(3)</a:t>
+            </a:r>
+            <a:r>
+              <a:rPr lang="zh-CN" altLang="en-US" sz="2000" b="1" dirty="0" smtClean="0"/>
+              <a:t>不可以使用</a:t>
             </a:r>
             <a:r>
               <a:rPr lang="en-US" altLang="zh-CN" sz="2000" b="1" dirty="0" smtClean="0"/>
-              <a:t>3</a:t>
-            </a:r>
-            <a:r>
-              <a:rPr lang="en-US" altLang="zh-CN" sz="2000" b="1" dirty="0"/>
-              <a:t>)</a:t>
+              <a:t>arguments</a:t>
             </a:r>
             <a:r>
               <a:rPr lang="zh-CN" altLang="en-US" sz="2000" b="1" dirty="0" smtClean="0"/>
-              <a:t>不可以</a:t>
-            </a:r>
-            <a:r>
-              <a:rPr lang="zh-CN" altLang="en-US" sz="2000" b="1" dirty="0"/>
-              <a:t>使用</a:t>
-            </a:r>
-            <a:r>
-              <a:rPr lang="en-US" altLang="zh-CN" sz="2000" b="1" dirty="0"/>
-              <a:t>arguments</a:t>
-            </a:r>
-            <a:r>
-              <a:rPr lang="zh-CN" altLang="en-US" sz="2000" b="1" dirty="0"/>
               <a:t>对象，该对象在函数体内不存在。如果要用，可以用 </a:t>
             </a:r>
             <a:r>
-              <a:rPr lang="en-US" altLang="zh-CN" sz="2000" b="1" dirty="0"/>
+              <a:rPr lang="en-US" altLang="zh-CN" sz="2000" b="1" dirty="0" smtClean="0"/>
               <a:t>rest </a:t>
             </a:r>
             <a:r>
-              <a:rPr lang="zh-CN" altLang="en-US" sz="2000" b="1" dirty="0"/>
-              <a:t>参数代替</a:t>
-            </a:r>
-            <a:r>
               <a:rPr lang="zh-CN" altLang="en-US" sz="2000" b="1" dirty="0" smtClean="0"/>
-              <a:t>。</a:t>
-            </a:r>
-            <a:r>
-              <a:rPr lang="zh-CN" altLang="en-US" sz="3600" b="1" dirty="0"/>
+              <a:t>参数代替。</a:t>
+            </a:r>
+            <a:r>
+              <a:rPr lang="zh-CN" altLang="en-US" sz="3600" b="1" dirty="0" smtClean="0"/>
               <a:t/>
             </a:r>
             <a:br>
-              <a:rPr lang="zh-CN" altLang="en-US" sz="3600" b="1" dirty="0"/>
+              <a:rPr lang="zh-CN" altLang="en-US" sz="3600" b="1" dirty="0" smtClean="0"/>
             </a:br>
-            <a:endParaRPr lang="en-US" altLang="zh-CN" sz="3600" b="1" dirty="0"/>
+            <a:endParaRPr lang="en-US" altLang="zh-CN" sz="3600" b="1" dirty="0" smtClean="0"/>
           </a:p>
           <a:p>
             <a:pPr marL="342900" indent="-342900">
@@ -12886,11 +12862,7 @@
             </a:pPr>
             <a:r>
               <a:rPr lang="zh-CN" altLang="en-US" sz="3600" b="1" dirty="0" smtClean="0"/>
-              <a:t>合并</a:t>
-            </a:r>
-            <a:r>
-              <a:rPr lang="zh-CN" altLang="en-US" sz="3600" b="1" dirty="0" smtClean="0"/>
-              <a:t>数组</a:t>
+              <a:t>合并数组</a:t>
             </a:r>
             <a:endParaRPr lang="en-US" altLang="zh-CN" sz="3600" b="1" dirty="0" smtClean="0"/>
           </a:p>

--- a/es6/ES6.pptx
+++ b/es6/ES6.pptx
@@ -9818,16 +9818,32 @@
               <a:buAutoNum type="circleNumDbPlain"/>
             </a:pPr>
             <a:r>
-              <a:rPr lang="en-US" altLang="zh-CN" sz="2800" b="1" dirty="0" err="1"/>
-              <a:t>n</a:t>
+              <a:rPr lang="en-US" altLang="zh-CN" sz="2800" b="1" dirty="0" smtClean="0"/>
+              <a:t>(</a:t>
             </a:r>
             <a:r>
               <a:rPr lang="en-US" altLang="zh-CN" sz="2800" b="1" dirty="0" err="1" smtClean="0"/>
-              <a:t>pm</a:t>
+              <a:t>sudo</a:t>
+            </a:r>
+            <a:r>
+              <a:rPr lang="zh-CN" altLang="en-US" sz="2800" b="1" smtClean="0"/>
+              <a:t> </a:t>
+            </a:r>
+            <a:r>
+              <a:rPr lang="en-US" altLang="zh-CN" sz="2800" b="1" smtClean="0"/>
+              <a:t>)</a:t>
+            </a:r>
+            <a:r>
+              <a:rPr lang="en-US" altLang="zh-CN" sz="2800" b="1" dirty="0" err="1" smtClean="0"/>
+              <a:t>npm</a:t>
             </a:r>
             <a:r>
               <a:rPr lang="en-US" altLang="zh-CN" sz="2800" b="1" dirty="0" smtClean="0"/>
-              <a:t> install -g babel-cli</a:t>
+              <a:t> </a:t>
+            </a:r>
+            <a:r>
+              <a:rPr lang="en-US" altLang="zh-CN" sz="2800" b="1" dirty="0" smtClean="0"/>
+              <a:t>install -g babel-cli</a:t>
             </a:r>
           </a:p>
           <a:p>
